--- a/python/_reference/environment/deployment/devpi.pptx
+++ b/python/_reference/environment/deployment/devpi.pptx
@@ -205,7 +205,7 @@
           <a:p>
             <a:fld id="{013D7D23-95FE-4191-B08D-3CBB1E1CEEFE}" type="datetimeFigureOut">
               <a:rPr lang="pt-PT" smtClean="0"/>
-              <a:t>21/01/2025</a:t>
+              <a:t>12/02/2025</a:t>
             </a:fld>
             <a:endParaRPr lang="pt-PT" dirty="0"/>
           </a:p>
@@ -604,7 +604,7 @@
           <a:p>
             <a:fld id="{5C0ED97C-8255-4BAC-9D42-1F6A6651E287}" type="datetime1">
               <a:rPr lang="pt-PT" smtClean="0"/>
-              <a:t>21/01/2025</a:t>
+              <a:t>12/02/2025</a:t>
             </a:fld>
             <a:endParaRPr lang="pt-PT" dirty="0"/>
           </a:p>
@@ -774,7 +774,7 @@
           <a:p>
             <a:fld id="{4FCC8996-E467-4FE1-B165-4002860D0AC7}" type="datetime1">
               <a:rPr lang="pt-PT" smtClean="0"/>
-              <a:t>21/01/2025</a:t>
+              <a:t>12/02/2025</a:t>
             </a:fld>
             <a:endParaRPr lang="pt-PT" dirty="0"/>
           </a:p>
@@ -954,7 +954,7 @@
           <a:p>
             <a:fld id="{C104532E-E792-4BF5-B399-9E5E16070233}" type="datetime1">
               <a:rPr lang="pt-PT" smtClean="0"/>
-              <a:t>21/01/2025</a:t>
+              <a:t>12/02/2025</a:t>
             </a:fld>
             <a:endParaRPr lang="pt-PT" dirty="0"/>
           </a:p>
@@ -1164,7 +1164,7 @@
           <a:p>
             <a:fld id="{FF4AF87E-A15D-4480-B791-15D75F8AF848}" type="datetimeFigureOut">
               <a:rPr lang="pt-PT" smtClean="0"/>
-              <a:t>21/01/2025</a:t>
+              <a:t>12/02/2025</a:t>
             </a:fld>
             <a:endParaRPr lang="pt-PT"/>
           </a:p>
@@ -1364,7 +1364,7 @@
           <a:p>
             <a:fld id="{FF4AF87E-A15D-4480-B791-15D75F8AF848}" type="datetimeFigureOut">
               <a:rPr lang="pt-PT" smtClean="0"/>
-              <a:t>21/01/2025</a:t>
+              <a:t>12/02/2025</a:t>
             </a:fld>
             <a:endParaRPr lang="pt-PT"/>
           </a:p>
@@ -1640,7 +1640,7 @@
           <a:p>
             <a:fld id="{FF4AF87E-A15D-4480-B791-15D75F8AF848}" type="datetimeFigureOut">
               <a:rPr lang="pt-PT" smtClean="0"/>
-              <a:t>21/01/2025</a:t>
+              <a:t>12/02/2025</a:t>
             </a:fld>
             <a:endParaRPr lang="pt-PT"/>
           </a:p>
@@ -1908,7 +1908,7 @@
           <a:p>
             <a:fld id="{FF4AF87E-A15D-4480-B791-15D75F8AF848}" type="datetimeFigureOut">
               <a:rPr lang="pt-PT" smtClean="0"/>
-              <a:t>21/01/2025</a:t>
+              <a:t>12/02/2025</a:t>
             </a:fld>
             <a:endParaRPr lang="pt-PT"/>
           </a:p>
@@ -2323,7 +2323,7 @@
           <a:p>
             <a:fld id="{FF4AF87E-A15D-4480-B791-15D75F8AF848}" type="datetimeFigureOut">
               <a:rPr lang="pt-PT" smtClean="0"/>
-              <a:t>21/01/2025</a:t>
+              <a:t>12/02/2025</a:t>
             </a:fld>
             <a:endParaRPr lang="pt-PT"/>
           </a:p>
@@ -2465,7 +2465,7 @@
           <a:p>
             <a:fld id="{FF4AF87E-A15D-4480-B791-15D75F8AF848}" type="datetimeFigureOut">
               <a:rPr lang="pt-PT" smtClean="0"/>
-              <a:t>21/01/2025</a:t>
+              <a:t>12/02/2025</a:t>
             </a:fld>
             <a:endParaRPr lang="pt-PT"/>
           </a:p>
@@ -2578,7 +2578,7 @@
           <a:p>
             <a:fld id="{FF4AF87E-A15D-4480-B791-15D75F8AF848}" type="datetimeFigureOut">
               <a:rPr lang="pt-PT" smtClean="0"/>
-              <a:t>21/01/2025</a:t>
+              <a:t>12/02/2025</a:t>
             </a:fld>
             <a:endParaRPr lang="pt-PT"/>
           </a:p>
@@ -2891,7 +2891,7 @@
           <a:p>
             <a:fld id="{FF4AF87E-A15D-4480-B791-15D75F8AF848}" type="datetimeFigureOut">
               <a:rPr lang="pt-PT" smtClean="0"/>
-              <a:t>21/01/2025</a:t>
+              <a:t>12/02/2025</a:t>
             </a:fld>
             <a:endParaRPr lang="pt-PT"/>
           </a:p>
@@ -3073,7 +3073,7 @@
           <a:p>
             <a:fld id="{5FC36660-F7C2-4C37-BD61-E2E985519A54}" type="datetime1">
               <a:rPr lang="pt-PT" smtClean="0"/>
-              <a:t>21/01/2025</a:t>
+              <a:t>12/02/2025</a:t>
             </a:fld>
             <a:endParaRPr lang="pt-PT" dirty="0"/>
           </a:p>
@@ -3350,7 +3350,7 @@
           <a:p>
             <a:fld id="{FF4AF87E-A15D-4480-B791-15D75F8AF848}" type="datetimeFigureOut">
               <a:rPr lang="pt-PT" smtClean="0"/>
-              <a:t>21/01/2025</a:t>
+              <a:t>12/02/2025</a:t>
             </a:fld>
             <a:endParaRPr lang="pt-PT"/>
           </a:p>
@@ -3550,7 +3550,7 @@
           <a:p>
             <a:fld id="{FF4AF87E-A15D-4480-B791-15D75F8AF848}" type="datetimeFigureOut">
               <a:rPr lang="pt-PT" smtClean="0"/>
-              <a:t>21/01/2025</a:t>
+              <a:t>12/02/2025</a:t>
             </a:fld>
             <a:endParaRPr lang="pt-PT"/>
           </a:p>
@@ -3760,7 +3760,7 @@
           <a:p>
             <a:fld id="{FF4AF87E-A15D-4480-B791-15D75F8AF848}" type="datetimeFigureOut">
               <a:rPr lang="pt-PT" smtClean="0"/>
-              <a:t>21/01/2025</a:t>
+              <a:t>12/02/2025</a:t>
             </a:fld>
             <a:endParaRPr lang="pt-PT"/>
           </a:p>
@@ -4018,7 +4018,7 @@
           <a:p>
             <a:fld id="{EC1C553A-1723-4842-A3DB-E76BD21F5C6D}" type="datetime1">
               <a:rPr lang="pt-PT" smtClean="0"/>
-              <a:t>21/01/2025</a:t>
+              <a:t>12/02/2025</a:t>
             </a:fld>
             <a:endParaRPr lang="pt-PT" dirty="0"/>
           </a:p>
@@ -4250,7 +4250,7 @@
           <a:p>
             <a:fld id="{CE9B351E-3840-4886-B007-BC84D7C14686}" type="datetime1">
               <a:rPr lang="pt-PT" smtClean="0"/>
-              <a:t>21/01/2025</a:t>
+              <a:t>12/02/2025</a:t>
             </a:fld>
             <a:endParaRPr lang="pt-PT" dirty="0"/>
           </a:p>
@@ -4617,7 +4617,7 @@
           <a:p>
             <a:fld id="{C8686839-F4ED-436E-9AC9-AC7A0A0CD179}" type="datetime1">
               <a:rPr lang="pt-PT" smtClean="0"/>
-              <a:t>21/01/2025</a:t>
+              <a:t>12/02/2025</a:t>
             </a:fld>
             <a:endParaRPr lang="pt-PT" dirty="0"/>
           </a:p>
@@ -4735,7 +4735,7 @@
           <a:p>
             <a:fld id="{2AB82247-1A7C-4F98-8F33-5E4D07EFBF12}" type="datetime1">
               <a:rPr lang="pt-PT" smtClean="0"/>
-              <a:t>21/01/2025</a:t>
+              <a:t>12/02/2025</a:t>
             </a:fld>
             <a:endParaRPr lang="pt-PT" dirty="0"/>
           </a:p>
@@ -4830,7 +4830,7 @@
           <a:p>
             <a:fld id="{AFE320DE-3391-4A27-9653-F2BD505B9A08}" type="datetime1">
               <a:rPr lang="pt-PT" smtClean="0"/>
-              <a:t>21/01/2025</a:t>
+              <a:t>12/02/2025</a:t>
             </a:fld>
             <a:endParaRPr lang="pt-PT" dirty="0"/>
           </a:p>
@@ -5107,7 +5107,7 @@
           <a:p>
             <a:fld id="{E69250C8-88B2-4209-BD56-05813AC521DC}" type="datetime1">
               <a:rPr lang="pt-PT" smtClean="0"/>
-              <a:t>21/01/2025</a:t>
+              <a:t>12/02/2025</a:t>
             </a:fld>
             <a:endParaRPr lang="pt-PT" dirty="0"/>
           </a:p>
@@ -5360,7 +5360,7 @@
           <a:p>
             <a:fld id="{0B847055-2F12-42A4-9432-334276564B1D}" type="datetime1">
               <a:rPr lang="pt-PT" smtClean="0"/>
-              <a:t>21/01/2025</a:t>
+              <a:t>12/02/2025</a:t>
             </a:fld>
             <a:endParaRPr lang="pt-PT" dirty="0"/>
           </a:p>
@@ -5573,7 +5573,7 @@
           <a:p>
             <a:fld id="{B0883CD8-EC5B-4369-8F97-BE1E84F10887}" type="datetime1">
               <a:rPr lang="pt-PT" smtClean="0"/>
-              <a:t>21/01/2025</a:t>
+              <a:t>12/02/2025</a:t>
             </a:fld>
             <a:endParaRPr lang="pt-PT" dirty="0"/>
           </a:p>
@@ -6132,7 +6132,7 @@
           <a:p>
             <a:fld id="{FF4AF87E-A15D-4480-B791-15D75F8AF848}" type="datetimeFigureOut">
               <a:rPr lang="pt-PT" smtClean="0"/>
-              <a:t>21/01/2025</a:t>
+              <a:t>12/02/2025</a:t>
             </a:fld>
             <a:endParaRPr lang="pt-PT"/>
           </a:p>
@@ -10627,7 +10627,7 @@
         </p:blipFill>
         <p:spPr>
           <a:xfrm>
-            <a:off x="7985977" y="1127036"/>
+            <a:off x="7990666" y="1091812"/>
             <a:ext cx="2948128" cy="797369"/>
           </a:xfrm>
           <a:prstGeom prst="rect">
